--- a/01.Introduction to the Day/Introduction to the Day.pptx
+++ b/01.Introduction to the Day/Introduction to the Day.pptx
@@ -17742,7 +17742,7 @@
           </a:effectLst>
           <a:extLst>
             <a:ext uri="{909E8E84-426E-40dd-AFC4-6F175D3DCCD1}">
-              <a14:hiddenFill xmlns:a14="http://schemas.microsoft.com/office/drawing/2010/main" xmlns="">
+              <a14:hiddenFill xmlns="" xmlns:a14="http://schemas.microsoft.com/office/drawing/2010/main">
                 <a:solidFill>
                   <a:srgbClr val="FFFFFF"/>
                 </a:solidFill>
@@ -17845,7 +17845,7 @@
           <a:noFill/>
           <a:extLst>
             <a:ext uri="{909E8E84-426E-40dd-AFC4-6F175D3DCCD1}">
-              <a14:hiddenFill xmlns:a14="http://schemas.microsoft.com/office/drawing/2010/main" xmlns="">
+              <a14:hiddenFill xmlns="" xmlns:a14="http://schemas.microsoft.com/office/drawing/2010/main">
                 <a:solidFill>
                   <a:srgbClr val="FFFFFF"/>
                 </a:solidFill>
@@ -22013,7 +22013,7 @@
           </a:effectLst>
           <a:extLst>
             <a:ext uri="{909E8E84-426E-40dd-AFC4-6F175D3DCCD1}">
-              <a14:hiddenFill xmlns:a14="http://schemas.microsoft.com/office/drawing/2010/main" xmlns="">
+              <a14:hiddenFill xmlns="" xmlns:a14="http://schemas.microsoft.com/office/drawing/2010/main">
                 <a:solidFill>
                   <a:schemeClr val="accent1"/>
                 </a:solidFill>
@@ -24263,7 +24263,7 @@
                 <a:gridCol w="11225057">
                   <a:extLst>
                     <a:ext uri="{9D8B030D-6E8A-4147-A177-3AD203B41FA5}">
-                      <a16:colId xmlns:a16="http://schemas.microsoft.com/office/drawing/2014/main" xmlns="" val="1253488153"/>
+                      <a16:colId xmlns="" xmlns:a16="http://schemas.microsoft.com/office/drawing/2014/main" val="1253488153"/>
                     </a:ext>
                   </a:extLst>
                 </a:gridCol>
@@ -24285,7 +24285,7 @@
                 </a:tc>
                 <a:extLst>
                   <a:ext uri="{0D108BD9-81ED-4DB2-BD59-A6C34878D82A}">
-                    <a16:rowId xmlns:a16="http://schemas.microsoft.com/office/drawing/2014/main" xmlns="" val="829859176"/>
+                    <a16:rowId xmlns="" xmlns:a16="http://schemas.microsoft.com/office/drawing/2014/main" val="829859176"/>
                   </a:ext>
                 </a:extLst>
               </a:tr>
@@ -24305,7 +24305,7 @@
                 </a:tc>
                 <a:extLst>
                   <a:ext uri="{0D108BD9-81ED-4DB2-BD59-A6C34878D82A}">
-                    <a16:rowId xmlns:a16="http://schemas.microsoft.com/office/drawing/2014/main" xmlns="" val="1946132611"/>
+                    <a16:rowId xmlns="" xmlns:a16="http://schemas.microsoft.com/office/drawing/2014/main" val="1946132611"/>
                   </a:ext>
                 </a:extLst>
               </a:tr>
@@ -24342,7 +24342,7 @@
                 </a:tc>
                 <a:extLst>
                   <a:ext uri="{0D108BD9-81ED-4DB2-BD59-A6C34878D82A}">
-                    <a16:rowId xmlns:a16="http://schemas.microsoft.com/office/drawing/2014/main" xmlns="" val="3204002662"/>
+                    <a16:rowId xmlns="" xmlns:a16="http://schemas.microsoft.com/office/drawing/2014/main" val="3204002662"/>
                   </a:ext>
                 </a:extLst>
               </a:tr>
@@ -24384,7 +24384,7 @@
                 </a:tc>
                 <a:extLst>
                   <a:ext uri="{0D108BD9-81ED-4DB2-BD59-A6C34878D82A}">
-                    <a16:rowId xmlns:a16="http://schemas.microsoft.com/office/drawing/2014/main" xmlns="" val="4266278162"/>
+                    <a16:rowId xmlns="" xmlns:a16="http://schemas.microsoft.com/office/drawing/2014/main" val="4266278162"/>
                   </a:ext>
                 </a:extLst>
               </a:tr>
@@ -28151,7 +28151,7 @@
               </a:ln>
               <a:extLst>
                 <a:ext uri="{91240B29-F687-4f45-9708-019B960494DF}">
-                  <a14:hiddenLine xmlns:a14="http://schemas.microsoft.com/office/drawing/2010/main" xmlns="" w="9525">
+                  <a14:hiddenLine xmlns="" xmlns:a14="http://schemas.microsoft.com/office/drawing/2010/main" w="9525">
                     <a:solidFill>
                       <a:srgbClr val="000000"/>
                     </a:solidFill>
@@ -28252,7 +28252,7 @@
               </a:ln>
               <a:extLst>
                 <a:ext uri="{91240B29-F687-4f45-9708-019B960494DF}">
-                  <a14:hiddenLine xmlns:a14="http://schemas.microsoft.com/office/drawing/2010/main" xmlns="" w="9525">
+                  <a14:hiddenLine xmlns="" xmlns:a14="http://schemas.microsoft.com/office/drawing/2010/main" w="9525">
                     <a:solidFill>
                       <a:srgbClr val="000000"/>
                     </a:solidFill>
@@ -35052,7 +35052,7 @@
               </a:ln>
               <a:extLst>
                 <a:ext uri="{91240B29-F687-4f45-9708-019B960494DF}">
-                  <a14:hiddenLine xmlns:a14="http://schemas.microsoft.com/office/drawing/2010/main" xmlns="" w="9525">
+                  <a14:hiddenLine xmlns="" xmlns:a14="http://schemas.microsoft.com/office/drawing/2010/main" w="9525">
                     <a:solidFill>
                       <a:srgbClr val="000000"/>
                     </a:solidFill>
@@ -35210,7 +35210,7 @@
               </a:ln>
               <a:extLst>
                 <a:ext uri="{91240B29-F687-4f45-9708-019B960494DF}">
-                  <a14:hiddenLine xmlns:a14="http://schemas.microsoft.com/office/drawing/2010/main" xmlns="" w="9525">
+                  <a14:hiddenLine xmlns="" xmlns:a14="http://schemas.microsoft.com/office/drawing/2010/main" w="9525">
                     <a:solidFill>
                       <a:srgbClr val="000000"/>
                     </a:solidFill>
@@ -35270,7 +35270,7 @@
               </a:ln>
               <a:extLst>
                 <a:ext uri="{91240B29-F687-4f45-9708-019B960494DF}">
-                  <a14:hiddenLine xmlns:a14="http://schemas.microsoft.com/office/drawing/2010/main" xmlns="" w="9525">
+                  <a14:hiddenLine xmlns="" xmlns:a14="http://schemas.microsoft.com/office/drawing/2010/main" w="9525">
                     <a:solidFill>
                       <a:srgbClr val="000000"/>
                     </a:solidFill>
@@ -35447,7 +35447,7 @@
               </a:ln>
               <a:extLst>
                 <a:ext uri="{91240B29-F687-4f45-9708-019B960494DF}">
-                  <a14:hiddenLine xmlns:a14="http://schemas.microsoft.com/office/drawing/2010/main" xmlns="" w="9525">
+                  <a14:hiddenLine xmlns="" xmlns:a14="http://schemas.microsoft.com/office/drawing/2010/main" w="9525">
                     <a:solidFill>
                       <a:srgbClr val="000000"/>
                     </a:solidFill>
@@ -37128,7 +37128,7 @@
 </file>
 
 <file path=ppt/slides/slide30.xml><?xml version="1.0" encoding="utf-8"?>
-<p:sld xmlns:a="http://schemas.openxmlformats.org/drawingml/2006/main" xmlns:r="http://schemas.openxmlformats.org/officeDocument/2006/relationships" xmlns:p="http://schemas.openxmlformats.org/presentationml/2006/main">
+<p:sld xmlns:a="http://schemas.openxmlformats.org/drawingml/2006/main" xmlns:r="http://schemas.openxmlformats.org/officeDocument/2006/relationships" xmlns:p="http://schemas.openxmlformats.org/presentationml/2006/main" show="0">
   <p:cSld>
     <p:spTree>
       <p:nvGrpSpPr>
@@ -38150,11 +38150,19 @@
           <a:p>
             <a:r>
               <a:rPr lang="en-US" sz="4800" dirty="0"/>
-              <a:t>Module 3: </a:t>
+              <a:t>Module </a:t>
             </a:r>
             <a:r>
               <a:rPr lang="en-US" sz="4800" dirty="0" smtClean="0"/>
-              <a:t>Add-ins for Office</a:t>
+              <a:t>: </a:t>
+            </a:r>
+            <a:r>
+              <a:rPr lang="en-US" sz="4800" dirty="0" smtClean="0"/>
+              <a:t>Add-ins for </a:t>
+            </a:r>
+            <a:r>
+              <a:rPr lang="en-US" sz="4800" dirty="0" smtClean="0"/>
+              <a:t>SharePoint</a:t>
             </a:r>
             <a:endParaRPr lang="en-US" sz="4800" dirty="0"/>
           </a:p>
@@ -38186,16 +38194,16 @@
           <a:p>
             <a:r>
               <a:rPr lang="en-US" dirty="0" smtClean="0"/>
-              <a:t>Understand app security &amp; permissions (OAuth2)</a:t>
+              <a:t>Build a search app in SharePoint</a:t>
             </a:r>
           </a:p>
           <a:p>
-            <a:endParaRPr lang="en-US" dirty="0" smtClean="0"/>
+            <a:endParaRPr lang="en-US" dirty="0"/>
           </a:p>
           <a:p>
             <a:r>
               <a:rPr lang="en-US" dirty="0" smtClean="0"/>
-              <a:t>Understand the cross-domain library</a:t>
+              <a:t>Build an Employee Directory App</a:t>
             </a:r>
             <a:endParaRPr lang="en-US" dirty="0"/>
           </a:p>
@@ -39370,12 +39378,9 @@
 </file>
 
 <file path=customXml/item1.xml><?xml version="1.0" encoding="utf-8"?>
-<?mso-contentType ?>
-<FormTemplates xmlns="http://schemas.microsoft.com/sharepoint/v3/contenttype/forms">
-  <Display>DocumentLibraryForm</Display>
-  <Edit>DocumentLibraryForm</Edit>
-  <New>DocumentLibraryForm</New>
-</FormTemplates>
+<p:properties xmlns:p="http://schemas.microsoft.com/office/2006/metadata/properties" xmlns:xsi="http://www.w3.org/2001/XMLSchema-instance" xmlns:pc="http://schemas.microsoft.com/office/infopath/2007/PartnerControls">
+  <documentManagement/>
+</p:properties>
 </file>
 
 <file path=customXml/item2.xml><?xml version="1.0" encoding="utf-8"?>
@@ -39519,15 +39524,26 @@
 </file>
 
 <file path=customXml/item3.xml><?xml version="1.0" encoding="utf-8"?>
-<p:properties xmlns:p="http://schemas.microsoft.com/office/2006/metadata/properties" xmlns:xsi="http://www.w3.org/2001/XMLSchema-instance" xmlns:pc="http://schemas.microsoft.com/office/infopath/2007/PartnerControls">
-  <documentManagement/>
-</p:properties>
+<?mso-contentType ?>
+<FormTemplates xmlns="http://schemas.microsoft.com/sharepoint/v3/contenttype/forms">
+  <Display>DocumentLibraryForm</Display>
+  <Edit>DocumentLibraryForm</Edit>
+  <New>DocumentLibraryForm</New>
+</FormTemplates>
 </file>
 
 <file path=customXml/itemProps1.xml><?xml version="1.0" encoding="utf-8"?>
-<ds:datastoreItem xmlns:ds="http://schemas.openxmlformats.org/officeDocument/2006/customXml" ds:itemID="{E1E0CE18-CA03-4891-9CD8-3448778E3D53}">
+<ds:datastoreItem xmlns:ds="http://schemas.openxmlformats.org/officeDocument/2006/customXml" ds:itemID="{DA593625-DB14-4FB0-B5A9-3269FA9C120B}">
   <ds:schemaRefs>
-    <ds:schemaRef ds:uri="http://schemas.microsoft.com/sharepoint/v3/contenttype/forms"/>
+    <ds:schemaRef ds:uri="http://purl.org/dc/elements/1.1/"/>
+    <ds:schemaRef ds:uri="http://schemas.microsoft.com/office/infopath/2007/PartnerControls"/>
+    <ds:schemaRef ds:uri="5fad15d0-477e-40da-a20d-40d4ca777cbd"/>
+    <ds:schemaRef ds:uri="http://purl.org/dc/terms/"/>
+    <ds:schemaRef ds:uri="http://schemas.microsoft.com/office/2006/metadata/properties"/>
+    <ds:schemaRef ds:uri="http://schemas.microsoft.com/office/2006/documentManagement/types"/>
+    <ds:schemaRef ds:uri="http://schemas.openxmlformats.org/package/2006/metadata/core-properties"/>
+    <ds:schemaRef ds:uri="http://purl.org/dc/dcmitype/"/>
+    <ds:schemaRef ds:uri="http://www.w3.org/XML/1998/namespace"/>
   </ds:schemaRefs>
 </ds:datastoreItem>
 </file>
@@ -39551,17 +39567,9 @@
 </file>
 
 <file path=customXml/itemProps3.xml><?xml version="1.0" encoding="utf-8"?>
-<ds:datastoreItem xmlns:ds="http://schemas.openxmlformats.org/officeDocument/2006/customXml" ds:itemID="{DA593625-DB14-4FB0-B5A9-3269FA9C120B}">
+<ds:datastoreItem xmlns:ds="http://schemas.openxmlformats.org/officeDocument/2006/customXml" ds:itemID="{E1E0CE18-CA03-4891-9CD8-3448778E3D53}">
   <ds:schemaRefs>
-    <ds:schemaRef ds:uri="http://purl.org/dc/elements/1.1/"/>
-    <ds:schemaRef ds:uri="http://schemas.microsoft.com/office/infopath/2007/PartnerControls"/>
-    <ds:schemaRef ds:uri="5fad15d0-477e-40da-a20d-40d4ca777cbd"/>
-    <ds:schemaRef ds:uri="http://purl.org/dc/terms/"/>
-    <ds:schemaRef ds:uri="http://schemas.microsoft.com/office/2006/metadata/properties"/>
-    <ds:schemaRef ds:uri="http://schemas.microsoft.com/office/2006/documentManagement/types"/>
-    <ds:schemaRef ds:uri="http://schemas.openxmlformats.org/package/2006/metadata/core-properties"/>
-    <ds:schemaRef ds:uri="http://purl.org/dc/dcmitype/"/>
-    <ds:schemaRef ds:uri="http://www.w3.org/XML/1998/namespace"/>
+    <ds:schemaRef ds:uri="http://schemas.microsoft.com/sharepoint/v3/contenttype/forms"/>
   </ds:schemaRefs>
 </ds:datastoreItem>
 </file>